--- a/Nishant_Subedi_Draft_Presentation.pptx
+++ b/Nishant_Subedi_Draft_Presentation.pptx
@@ -234,7 +234,7 @@
           </a:lstStyle>
           <a:p>
             <a:fld id="{E14C8F11-D0DF-4008-860B-4A7D93BC166E}" type="datetimeFigureOut">
-              <a:t>10/1/2024</a:t>
+              <a:t>10/4/2024</a:t>
             </a:fld>
             <a:endParaRPr lang="en-US"/>
           </a:p>
@@ -15018,15 +15018,15 @@
             </a:r>
             <a:r>
               <a:rPr lang="en-US" sz="2400" dirty="0"/>
-              <a:t> </a:t>
+              <a:t> deep </a:t>
             </a:r>
             <a:r>
               <a:rPr lang="en-US" sz="2400"/>
-              <a:t>deep learning </a:t>
+              <a:t>learning were </a:t>
             </a:r>
             <a:r>
               <a:rPr lang="en-US" sz="2400" dirty="0"/>
-              <a:t>was selected for its ability to capture complex non-linear relationships in the data, enhancing prediction accuracy.</a:t>
+              <a:t>selected for its ability to capture complex non-linear relationships in the data, enhancing prediction accuracy.</a:t>
             </a:r>
           </a:p>
           <a:p>
@@ -17193,18 +17193,6 @@
             </a:r>
           </a:p>
           <a:p>
-            <a:pPr marL="0" indent="0">
-              <a:buNone/>
-            </a:pPr>
-            <a:endParaRPr lang="tr-TR" dirty="0"/>
-          </a:p>
-          <a:p>
-            <a:r>
-              <a:rPr lang="en-US" dirty="0"/>
-              <a:t>Traditional methods struggle to capture the complexities of agricultural data for accurate yield forecasting.</a:t>
-            </a:r>
-          </a:p>
-          <a:p>
             <a:endParaRPr lang="en-US" dirty="0"/>
           </a:p>
           <a:p>
@@ -18144,7 +18132,7 @@
             </a:r>
             <a:r>
               <a:rPr lang="en-US" dirty="0"/>
-              <a:t> Features are created through transformations such as log transformations for skewed distributions and aggregating data to enhance temporal analysis.  </a:t>
+              <a:t> Features were created through transformations such as log transformations for skewed distributions and aggregating data to enhance temporal analysis.  </a:t>
             </a:r>
           </a:p>
           <a:p>
@@ -18164,7 +18152,7 @@
             </a:r>
             <a:r>
               <a:rPr lang="en-US" dirty="0"/>
-              <a:t> Numerical features are scaled using standardization to ensure all features contribute equally to the model, while categorical variables are encoded using one-hot encoding for better representation.</a:t>
+              <a:t> Numerical features were scaled using standardization to ensure all features contribute equally to the model, while categorical variables are encoded using one-hot encoding for better representation.</a:t>
             </a:r>
             <a:endParaRPr lang="tr-TR" dirty="0"/>
           </a:p>
@@ -19726,15 +19714,6 @@
 </file>
 
 <file path=customXml/item2.xml><?xml version="1.0" encoding="utf-8"?>
-<?mso-contentType ?>
-<FormTemplates xmlns="http://schemas.microsoft.com/sharepoint/v3/contenttype/forms">
-  <Display>DocumentLibraryForm</Display>
-  <Edit>DocumentLibraryForm</Edit>
-  <New>DocumentLibraryForm</New>
-</FormTemplates>
-</file>
-
-<file path=customXml/item3.xml><?xml version="1.0" encoding="utf-8"?>
 <ct:contentTypeSchema xmlns:ct="http://schemas.microsoft.com/office/2006/metadata/contentType" xmlns:ma="http://schemas.microsoft.com/office/2006/metadata/properties/metaAttributes" ct:_="" ma:_="" ma:contentTypeName="Document" ma:contentTypeID="0x010100CFD09C42E8C23742B9E074A3CA081CCE" ma:contentTypeVersion="10" ma:contentTypeDescription="Create a new document." ma:contentTypeScope="" ma:versionID="ca3976c2db7ffb7ece117251890e0751">
   <xsd:schema xmlns:xsd="http://www.w3.org/2001/XMLSchema" xmlns:xs="http://www.w3.org/2001/XMLSchema" xmlns:p="http://schemas.microsoft.com/office/2006/metadata/properties" xmlns:ns2="089bc397-8023-43b3-aca1-460fd2a87427" xmlns:ns3="8add6d38-482c-4231-ad61-5f80979d88f9" targetNamespace="http://schemas.microsoft.com/office/2006/metadata/properties" ma:root="true" ma:fieldsID="acd57a2ff35cab461f5b23b004bee2d1" ns2:_="" ns3:_="">
     <xsd:import namespace="089bc397-8023-43b3-aca1-460fd2a87427"/>
@@ -19935,6 +19914,15 @@
 </ct:contentTypeSchema>
 </file>
 
+<file path=customXml/item3.xml><?xml version="1.0" encoding="utf-8"?>
+<?mso-contentType ?>
+<FormTemplates xmlns="http://schemas.microsoft.com/sharepoint/v3/contenttype/forms">
+  <Display>DocumentLibraryForm</Display>
+  <Edit>DocumentLibraryForm</Edit>
+  <New>DocumentLibraryForm</New>
+</FormTemplates>
+</file>
+
 <file path=customXml/itemProps1.xml><?xml version="1.0" encoding="utf-8"?>
 <ds:datastoreItem xmlns:ds="http://schemas.openxmlformats.org/officeDocument/2006/customXml" ds:itemID="{0DEDE2C8-FC7C-4381-A834-6FD8DD37E8B0}">
   <ds:schemaRefs>
@@ -19956,14 +19944,6 @@
 </file>
 
 <file path=customXml/itemProps2.xml><?xml version="1.0" encoding="utf-8"?>
-<ds:datastoreItem xmlns:ds="http://schemas.openxmlformats.org/officeDocument/2006/customXml" ds:itemID="{1673DD53-6A06-4588-9E9A-777572FF2106}">
-  <ds:schemaRefs>
-    <ds:schemaRef ds:uri="http://schemas.microsoft.com/sharepoint/v3/contenttype/forms"/>
-  </ds:schemaRefs>
-</ds:datastoreItem>
-</file>
-
-<file path=customXml/itemProps3.xml><?xml version="1.0" encoding="utf-8"?>
 <ds:datastoreItem xmlns:ds="http://schemas.openxmlformats.org/officeDocument/2006/customXml" ds:itemID="{D3BD1963-0221-4001-B65F-5B9E7AC8D557}">
   <ds:schemaRefs>
     <ds:schemaRef ds:uri="http://schemas.microsoft.com/office/2006/metadata/contentType"/>
@@ -19980,4 +19960,12 @@
     <ds:schemaRef ds:uri="http://schemas.microsoft.com/internal/obd"/>
   </ds:schemaRefs>
 </ds:datastoreItem>
+</file>
+
+<file path=customXml/itemProps3.xml><?xml version="1.0" encoding="utf-8"?>
+<ds:datastoreItem xmlns:ds="http://schemas.openxmlformats.org/officeDocument/2006/customXml" ds:itemID="{1673DD53-6A06-4588-9E9A-777572FF2106}">
+  <ds:schemaRefs>
+    <ds:schemaRef ds:uri="http://schemas.microsoft.com/sharepoint/v3/contenttype/forms"/>
+  </ds:schemaRefs>
+</ds:datastoreItem>
 </file>
--- a/Nishant_Subedi_Draft_Presentation.pptx
+++ b/Nishant_Subedi_Draft_Presentation.pptx
@@ -14996,7 +14996,7 @@
         </p:spPr>
         <p:txBody>
           <a:bodyPr>
-            <a:normAutofit fontScale="92500" lnSpcReduction="20000"/>
+            <a:normAutofit/>
           </a:bodyPr>
           <a:lstStyle/>
           <a:p>
@@ -15018,15 +15018,7 @@
             </a:r>
             <a:r>
               <a:rPr lang="en-US" sz="2400" dirty="0"/>
-              <a:t> deep </a:t>
-            </a:r>
-            <a:r>
-              <a:rPr lang="en-US" sz="2400"/>
-              <a:t>learning were </a:t>
-            </a:r>
-            <a:r>
-              <a:rPr lang="en-US" sz="2400" dirty="0"/>
-              <a:t>selected for its ability to capture complex non-linear relationships in the data, enhancing prediction accuracy.</a:t>
+              <a:t> deep learning were selected for its ability to capture complex non-linear relationships in the data, enhancing prediction accuracy.</a:t>
             </a:r>
           </a:p>
           <a:p>
@@ -15068,30 +15060,13 @@
             </a:r>
             <a:r>
               <a:rPr lang="en-US" sz="2400" dirty="0"/>
-              <a:t> The model was trained using the Adam optimizer and Mean Squared Error (MSE) loss function, with a validation split to monitor performance.</a:t>
-            </a:r>
-          </a:p>
-          <a:p>
-            <a:pPr>
-              <a:buFont typeface="Arial" panose="020B0604020202020204" pitchFamily="34" charset="0"/>
-              <a:buChar char="•"/>
-            </a:pPr>
+              <a:t> The model was trained using the Adam optimizer and Mean Squared Error (MSE) loss function, with a validation split to monitor </a:t>
+            </a:r>
+            <a:r>
+              <a:rPr lang="en-US" sz="2400"/>
+              <a:t>performance.</a:t>
+            </a:r>
             <a:endParaRPr lang="en-US" sz="2400" dirty="0"/>
-          </a:p>
-          <a:p>
-            <a:pPr>
-              <a:buFont typeface="Arial" panose="020B0604020202020204" pitchFamily="34" charset="0"/>
-              <a:buChar char="•"/>
-            </a:pPr>
-            <a:r>
-              <a:rPr lang="en-US" sz="2400" b="1" dirty="0"/>
-              <a:t>Hyperparameters Used and Cross-Validation Techniques:</a:t>
-            </a:r>
-            <a:r>
-              <a:rPr lang="en-US" sz="2400" dirty="0"/>
-              <a:t> Key hyperparameters included learning rate, batch size, and the number of neurons in hidden layers, while K-fold cross-validation was employed to ensure robust performance evaluation.</a:t>
-            </a:r>
-            <a:endParaRPr lang="tr-TR" sz="2400" dirty="0"/>
           </a:p>
         </p:txBody>
       </p:sp>
@@ -15792,10 +15767,10 @@
       </p:sp>
       <p:pic>
         <p:nvPicPr>
-          <p:cNvPr id="8" name="Picture 7" descr="A graph with blue lines and numbers&#10;&#10;Description automatically generated">
-            <a:extLst>
-              <a:ext uri="{FF2B5EF4-FFF2-40B4-BE49-F238E27FC236}">
-                <a16:creationId xmlns:a16="http://schemas.microsoft.com/office/drawing/2014/main" id="{698E8AAC-B600-1B95-69F8-C3D13A2F1A4C}"/>
+          <p:cNvPr id="4" name="Picture 3">
+            <a:extLst>
+              <a:ext uri="{FF2B5EF4-FFF2-40B4-BE49-F238E27FC236}">
+                <a16:creationId xmlns:a16="http://schemas.microsoft.com/office/drawing/2014/main" id="{C124AD1F-18A0-74F6-F395-AE79F33D9930}"/>
               </a:ext>
             </a:extLst>
           </p:cNvPr>
@@ -15805,21 +15780,15 @@
           <p:nvPr/>
         </p:nvPicPr>
         <p:blipFill>
-          <a:blip r:embed="rId3" cstate="print">
-            <a:extLst>
-              <a:ext uri="{28A0092B-C50C-407E-A947-70E740481C1C}">
-                <a14:useLocalDpi xmlns:a14="http://schemas.microsoft.com/office/drawing/2010/main" val="0"/>
-              </a:ext>
-            </a:extLst>
-          </a:blip>
+          <a:blip r:embed="rId3"/>
           <a:stretch>
             <a:fillRect/>
           </a:stretch>
         </p:blipFill>
         <p:spPr>
           <a:xfrm>
-            <a:off x="6300511" y="2623032"/>
-            <a:ext cx="5802713" cy="2798666"/>
+            <a:off x="6284209" y="2615924"/>
+            <a:ext cx="5819015" cy="2812882"/>
           </a:xfrm>
           <a:prstGeom prst="rect">
             <a:avLst/>
@@ -19700,20 +19669,6 @@
 </file>
 
 <file path=customXml/item1.xml><?xml version="1.0" encoding="utf-8"?>
-<p:properties xmlns:p="http://schemas.microsoft.com/office/2006/metadata/properties" xmlns:xsi="http://www.w3.org/2001/XMLSchema-instance" xmlns:pc="http://schemas.microsoft.com/office/infopath/2007/PartnerControls">
-  <documentManagement>
-    <SharedWithUsers xmlns="089bc397-8023-43b3-aca1-460fd2a87427">
-      <UserInfo>
-        <DisplayName>Ipek beril Benli</DisplayName>
-        <AccountId>43</AccountId>
-        <AccountType/>
-      </UserInfo>
-    </SharedWithUsers>
-  </documentManagement>
-</p:properties>
-</file>
-
-<file path=customXml/item2.xml><?xml version="1.0" encoding="utf-8"?>
 <ct:contentTypeSchema xmlns:ct="http://schemas.microsoft.com/office/2006/metadata/contentType" xmlns:ma="http://schemas.microsoft.com/office/2006/metadata/properties/metaAttributes" ct:_="" ma:_="" ma:contentTypeName="Document" ma:contentTypeID="0x010100CFD09C42E8C23742B9E074A3CA081CCE" ma:contentTypeVersion="10" ma:contentTypeDescription="Create a new document." ma:contentTypeScope="" ma:versionID="ca3976c2db7ffb7ece117251890e0751">
   <xsd:schema xmlns:xsd="http://www.w3.org/2001/XMLSchema" xmlns:xs="http://www.w3.org/2001/XMLSchema" xmlns:p="http://schemas.microsoft.com/office/2006/metadata/properties" xmlns:ns2="089bc397-8023-43b3-aca1-460fd2a87427" xmlns:ns3="8add6d38-482c-4231-ad61-5f80979d88f9" targetNamespace="http://schemas.microsoft.com/office/2006/metadata/properties" ma:root="true" ma:fieldsID="acd57a2ff35cab461f5b23b004bee2d1" ns2:_="" ns3:_="">
     <xsd:import namespace="089bc397-8023-43b3-aca1-460fd2a87427"/>
@@ -19914,6 +19869,20 @@
 </ct:contentTypeSchema>
 </file>
 
+<file path=customXml/item2.xml><?xml version="1.0" encoding="utf-8"?>
+<p:properties xmlns:p="http://schemas.microsoft.com/office/2006/metadata/properties" xmlns:xsi="http://www.w3.org/2001/XMLSchema-instance" xmlns:pc="http://schemas.microsoft.com/office/infopath/2007/PartnerControls">
+  <documentManagement>
+    <SharedWithUsers xmlns="089bc397-8023-43b3-aca1-460fd2a87427">
+      <UserInfo>
+        <DisplayName>Ipek beril Benli</DisplayName>
+        <AccountId>43</AccountId>
+        <AccountType/>
+      </UserInfo>
+    </SharedWithUsers>
+  </documentManagement>
+</p:properties>
+</file>
+
 <file path=customXml/item3.xml><?xml version="1.0" encoding="utf-8"?>
 <?mso-contentType ?>
 <FormTemplates xmlns="http://schemas.microsoft.com/sharepoint/v3/contenttype/forms">
@@ -19924,6 +19893,25 @@
 </file>
 
 <file path=customXml/itemProps1.xml><?xml version="1.0" encoding="utf-8"?>
+<ds:datastoreItem xmlns:ds="http://schemas.openxmlformats.org/officeDocument/2006/customXml" ds:itemID="{D3BD1963-0221-4001-B65F-5B9E7AC8D557}">
+  <ds:schemaRefs>
+    <ds:schemaRef ds:uri="http://schemas.microsoft.com/office/2006/metadata/contentType"/>
+    <ds:schemaRef ds:uri="http://schemas.microsoft.com/office/2006/metadata/properties/metaAttributes"/>
+    <ds:schemaRef ds:uri="http://www.w3.org/2001/XMLSchema"/>
+    <ds:schemaRef ds:uri="http://schemas.microsoft.com/office/2006/metadata/properties"/>
+    <ds:schemaRef ds:uri="089bc397-8023-43b3-aca1-460fd2a87427"/>
+    <ds:schemaRef ds:uri="8add6d38-482c-4231-ad61-5f80979d88f9"/>
+    <ds:schemaRef ds:uri="http://schemas.microsoft.com/office/2006/documentManagement/types"/>
+    <ds:schemaRef ds:uri="http://schemas.microsoft.com/office/infopath/2007/PartnerControls"/>
+    <ds:schemaRef ds:uri="http://schemas.openxmlformats.org/package/2006/metadata/core-properties"/>
+    <ds:schemaRef ds:uri="http://purl.org/dc/elements/1.1/"/>
+    <ds:schemaRef ds:uri="http://purl.org/dc/terms/"/>
+    <ds:schemaRef ds:uri="http://schemas.microsoft.com/internal/obd"/>
+  </ds:schemaRefs>
+</ds:datastoreItem>
+</file>
+
+<file path=customXml/itemProps2.xml><?xml version="1.0" encoding="utf-8"?>
 <ds:datastoreItem xmlns:ds="http://schemas.openxmlformats.org/officeDocument/2006/customXml" ds:itemID="{0DEDE2C8-FC7C-4381-A834-6FD8DD37E8B0}">
   <ds:schemaRefs>
     <ds:schemaRef ds:uri="6259e846-8b77-4076-b7b3-191dee427045"/>
@@ -19943,25 +19931,6 @@
 </ds:datastoreItem>
 </file>
 
-<file path=customXml/itemProps2.xml><?xml version="1.0" encoding="utf-8"?>
-<ds:datastoreItem xmlns:ds="http://schemas.openxmlformats.org/officeDocument/2006/customXml" ds:itemID="{D3BD1963-0221-4001-B65F-5B9E7AC8D557}">
-  <ds:schemaRefs>
-    <ds:schemaRef ds:uri="http://schemas.microsoft.com/office/2006/metadata/contentType"/>
-    <ds:schemaRef ds:uri="http://schemas.microsoft.com/office/2006/metadata/properties/metaAttributes"/>
-    <ds:schemaRef ds:uri="http://www.w3.org/2001/XMLSchema"/>
-    <ds:schemaRef ds:uri="http://schemas.microsoft.com/office/2006/metadata/properties"/>
-    <ds:schemaRef ds:uri="089bc397-8023-43b3-aca1-460fd2a87427"/>
-    <ds:schemaRef ds:uri="8add6d38-482c-4231-ad61-5f80979d88f9"/>
-    <ds:schemaRef ds:uri="http://schemas.microsoft.com/office/2006/documentManagement/types"/>
-    <ds:schemaRef ds:uri="http://schemas.microsoft.com/office/infopath/2007/PartnerControls"/>
-    <ds:schemaRef ds:uri="http://schemas.openxmlformats.org/package/2006/metadata/core-properties"/>
-    <ds:schemaRef ds:uri="http://purl.org/dc/elements/1.1/"/>
-    <ds:schemaRef ds:uri="http://purl.org/dc/terms/"/>
-    <ds:schemaRef ds:uri="http://schemas.microsoft.com/internal/obd"/>
-  </ds:schemaRefs>
-</ds:datastoreItem>
-</file>
-
 <file path=customXml/itemProps3.xml><?xml version="1.0" encoding="utf-8"?>
 <ds:datastoreItem xmlns:ds="http://schemas.openxmlformats.org/officeDocument/2006/customXml" ds:itemID="{1673DD53-6A06-4588-9E9A-777572FF2106}">
   <ds:schemaRefs>
